--- a/BussinesTourProject/מצגת 2 לירן דניאל.pptx
+++ b/BussinesTourProject/מצגת 2 לירן דניאל.pptx
@@ -3769,19 +3769,17 @@
                 <a:latin typeface="Aharoni" panose="02010803020104030203" pitchFamily="2" charset="-79"/>
                 <a:cs typeface="Aharoni" panose="02010803020104030203" pitchFamily="2" charset="-79"/>
               </a:rPr>
-              <a:t>3. המשחק הוא במחשב בניגוד למונופול שהוא </a:t>
-            </a:r>
-            <a:r>
-              <a:rPr lang="he-IL" sz="2400">
+              <a:t>3. המשחק הוא במחשב בניגוד למונופול שהוא משחק קופסא.</a:t>
+            </a:r>
+          </a:p>
+          <a:p>
+            <a:r>
+              <a:rPr lang="he-IL" sz="2400" dirty="0">
                 <a:latin typeface="Aharoni" panose="02010803020104030203" pitchFamily="2" charset="-79"/>
                 <a:cs typeface="Aharoni" panose="02010803020104030203" pitchFamily="2" charset="-79"/>
               </a:rPr>
-              <a:t>משחק קופסא.</a:t>
-            </a:r>
-            <a:endParaRPr lang="he-IL" sz="2400" dirty="0">
-              <a:latin typeface="Aharoni" panose="02010803020104030203" pitchFamily="2" charset="-79"/>
-              <a:cs typeface="Aharoni" panose="02010803020104030203" pitchFamily="2" charset="-79"/>
-            </a:endParaRPr>
+              <a:t>4. יש אפשרות לפתוח חשבון לשחקן ככה </a:t>
+            </a:r>
           </a:p>
         </p:txBody>
       </p:sp>

--- a/BussinesTourProject/מצגת 2 לירן דניאל.pptx
+++ b/BussinesTourProject/מצגת 2 לירן דניאל.pptx
@@ -7,7 +7,9 @@
   <p:sldIdLst>
     <p:sldId id="256" r:id="rId2"/>
     <p:sldId id="258" r:id="rId3"/>
-    <p:sldId id="257" r:id="rId4"/>
+    <p:sldId id="260" r:id="rId4"/>
+    <p:sldId id="259" r:id="rId5"/>
+    <p:sldId id="257" r:id="rId6"/>
   </p:sldIdLst>
   <p:sldSz cx="12192000" cy="6858000"/>
   <p:notesSz cx="6858000" cy="9144000"/>
@@ -106,6 +108,11 @@
       </a:defRPr>
     </a:lvl9pPr>
   </p:defaultTextStyle>
+  <p:extLst>
+    <p:ext uri="{EFAFB233-063F-42B5-8137-9DF3F51BA10A}">
+      <p15:sldGuideLst xmlns:p15="http://schemas.microsoft.com/office/powerpoint/2012/main"/>
+    </p:ext>
+  </p:extLst>
 </p:presentation>
 </file>
 
@@ -3738,7 +3745,7 @@
           <a:lstStyle/>
           <a:p>
             <a:r>
-              <a:rPr lang="he-IL" sz="2400" dirty="0">
+              <a:rPr lang="he-IL" dirty="0">
                 <a:latin typeface="Aharoni" panose="02010803020104030203" pitchFamily="2" charset="-79"/>
                 <a:cs typeface="Aharoni" panose="02010803020104030203" pitchFamily="2" charset="-79"/>
               </a:rPr>
@@ -3747,7 +3754,7 @@
           </a:p>
           <a:p>
             <a:r>
-              <a:rPr lang="he-IL" sz="2400" dirty="0">
+              <a:rPr lang="he-IL" dirty="0">
                 <a:latin typeface="Aharoni" panose="02010803020104030203" pitchFamily="2" charset="-79"/>
                 <a:cs typeface="Aharoni" panose="02010803020104030203" pitchFamily="2" charset="-79"/>
               </a:rPr>
@@ -3756,16 +3763,16 @@
           </a:p>
           <a:p>
             <a:r>
-              <a:rPr lang="he-IL" sz="2400" dirty="0">
+              <a:rPr lang="he-IL" dirty="0">
                 <a:latin typeface="Aharoni" panose="02010803020104030203" pitchFamily="2" charset="-79"/>
                 <a:cs typeface="Aharoni" panose="02010803020104030203" pitchFamily="2" charset="-79"/>
               </a:rPr>
-              <a:t>2. יש משבצת שכאשר אתה נוחת עלייה יש "לטוס" לכל מקום פנוי במפה.</a:t>
-            </a:r>
-          </a:p>
-          <a:p>
-            <a:r>
-              <a:rPr lang="he-IL" sz="2400" dirty="0">
+              <a:t>2. יש משבצת שכאשר אתה נוחת עלייה יש לך אפשרות "לטוס" לכל מקום פנוי במפה.</a:t>
+            </a:r>
+          </a:p>
+          <a:p>
+            <a:r>
+              <a:rPr lang="he-IL" dirty="0">
                 <a:latin typeface="Aharoni" panose="02010803020104030203" pitchFamily="2" charset="-79"/>
                 <a:cs typeface="Aharoni" panose="02010803020104030203" pitchFamily="2" charset="-79"/>
               </a:rPr>
@@ -3774,11 +3781,11 @@
           </a:p>
           <a:p>
             <a:r>
-              <a:rPr lang="he-IL" sz="2400" dirty="0">
+              <a:rPr lang="he-IL" dirty="0">
                 <a:latin typeface="Aharoni" panose="02010803020104030203" pitchFamily="2" charset="-79"/>
                 <a:cs typeface="Aharoni" panose="02010803020104030203" pitchFamily="2" charset="-79"/>
               </a:rPr>
-              <a:t>4. יש אפשרות לפתוח חשבון לשחקן ככה </a:t>
+              <a:t>4. יש אפשרות לפתוח חשבון לשחקן ככה שכל המידע שלנו ישמר.</a:t>
             </a:r>
           </a:p>
         </p:txBody>
@@ -3818,6 +3825,228 @@
           <p:cNvPr id="2" name="כותרת 1">
             <a:extLst>
               <a:ext uri="{FF2B5EF4-FFF2-40B4-BE49-F238E27FC236}">
+                <a16:creationId xmlns:a16="http://schemas.microsoft.com/office/drawing/2014/main" id="{2084BF06-EC42-93F3-06A4-E4493798085B}"/>
+              </a:ext>
+            </a:extLst>
+          </p:cNvPr>
+          <p:cNvSpPr>
+            <a:spLocks noGrp="1"/>
+          </p:cNvSpPr>
+          <p:nvPr>
+            <p:ph type="title"/>
+          </p:nvPr>
+        </p:nvSpPr>
+        <p:spPr/>
+        <p:txBody>
+          <a:bodyPr>
+            <a:normAutofit/>
+          </a:bodyPr>
+          <a:lstStyle/>
+          <a:p>
+            <a:pPr algn="r"/>
+            <a:r>
+              <a:rPr lang="he-IL" sz="4000" dirty="0">
+                <a:latin typeface="Aharoni" panose="02010803020104030203" pitchFamily="2" charset="-79"/>
+                <a:cs typeface="Aharoni" panose="02010803020104030203" pitchFamily="2" charset="-79"/>
+              </a:rPr>
+              <a:t>מטרות המשחק:</a:t>
+            </a:r>
+          </a:p>
+        </p:txBody>
+      </p:sp>
+      <p:sp>
+        <p:nvSpPr>
+          <p:cNvPr id="3" name="מציין מיקום תוכן 2">
+            <a:extLst>
+              <a:ext uri="{FF2B5EF4-FFF2-40B4-BE49-F238E27FC236}">
+                <a16:creationId xmlns:a16="http://schemas.microsoft.com/office/drawing/2014/main" id="{665B6F21-EE38-70A3-CDF9-200A9A7E8768}"/>
+              </a:ext>
+            </a:extLst>
+          </p:cNvPr>
+          <p:cNvSpPr>
+            <a:spLocks noGrp="1"/>
+          </p:cNvSpPr>
+          <p:nvPr>
+            <p:ph idx="1"/>
+          </p:nvPr>
+        </p:nvSpPr>
+        <p:spPr/>
+        <p:txBody>
+          <a:bodyPr>
+            <a:normAutofit lnSpcReduction="10000"/>
+          </a:bodyPr>
+          <a:lstStyle/>
+          <a:p>
+            <a:r>
+              <a:rPr lang="he-IL" dirty="0">
+                <a:latin typeface="Aharoni" panose="02010803020104030203" pitchFamily="2" charset="-79"/>
+                <a:cs typeface="Aharoni" panose="02010803020104030203" pitchFamily="2" charset="-79"/>
+              </a:rPr>
+              <a:t>בשביל לנצח במשחק יש כמה דרכים:</a:t>
+            </a:r>
+          </a:p>
+          <a:p>
+            <a:r>
+              <a:rPr lang="he-IL" dirty="0">
+                <a:latin typeface="Aharoni" panose="02010803020104030203" pitchFamily="2" charset="-79"/>
+                <a:cs typeface="Aharoni" panose="02010803020104030203" pitchFamily="2" charset="-79"/>
+              </a:rPr>
+              <a:t>1. לקנות כמה שיותר נכסים בעל ערך גבוה ולצבור כמה שיותר כסף, ברגע שנגמר המשחק השחקן בעל הערך הכולל הגבוה ביותר מנצח.</a:t>
+            </a:r>
+          </a:p>
+          <a:p>
+            <a:r>
+              <a:rPr lang="he-IL" dirty="0">
+                <a:latin typeface="Aharoni" panose="02010803020104030203" pitchFamily="2" charset="-79"/>
+                <a:cs typeface="Aharoni" panose="02010803020104030203" pitchFamily="2" charset="-79"/>
+              </a:rPr>
+              <a:t>2. להשיג מונופולי של תחנות עצירה, כאשר אתה משיג את כל 4 התחנות אתה מנצח באופן אוטומטי כי אתה שולט בשוק.</a:t>
+            </a:r>
+          </a:p>
+          <a:p>
+            <a:r>
+              <a:rPr lang="he-IL" dirty="0">
+                <a:latin typeface="Aharoni" panose="02010803020104030203" pitchFamily="2" charset="-79"/>
+                <a:cs typeface="Aharoni" panose="02010803020104030203" pitchFamily="2" charset="-79"/>
+              </a:rPr>
+              <a:t>3. להשיג 3 מונופולי של בתים. אם אתה משיג את שלושתם אתה מנצח, מכיוון שיש לך מספיק השפעה בשביל לשלוט במשחק.</a:t>
+            </a:r>
+          </a:p>
+          <a:p>
+            <a:r>
+              <a:rPr lang="he-IL" dirty="0">
+                <a:latin typeface="Aharoni" panose="02010803020104030203" pitchFamily="2" charset="-79"/>
+                <a:cs typeface="Aharoni" panose="02010803020104030203" pitchFamily="2" charset="-79"/>
+              </a:rPr>
+              <a:t>בסוף המשחק מופיע מסך סיום ובו הערך הכולל של כל שחקן, ודירוג המדרג אותם לפי ערך זה.</a:t>
+            </a:r>
+          </a:p>
+        </p:txBody>
+      </p:sp>
+    </p:spTree>
+    <p:extLst>
+      <p:ext uri="{BB962C8B-B14F-4D97-AF65-F5344CB8AC3E}">
+        <p14:creationId xmlns:p14="http://schemas.microsoft.com/office/powerpoint/2010/main" val="906013094"/>
+      </p:ext>
+    </p:extLst>
+  </p:cSld>
+  <p:clrMapOvr>
+    <a:masterClrMapping/>
+  </p:clrMapOvr>
+</p:sld>
+</file>
+
+<file path=ppt/slides/slide4.xml><?xml version="1.0" encoding="utf-8"?>
+<p:sld xmlns:a="http://schemas.openxmlformats.org/drawingml/2006/main" xmlns:r="http://schemas.openxmlformats.org/officeDocument/2006/relationships" xmlns:p="http://schemas.openxmlformats.org/presentationml/2006/main">
+  <p:cSld>
+    <p:spTree>
+      <p:nvGrpSpPr>
+        <p:cNvPr id="1" name=""/>
+        <p:cNvGrpSpPr/>
+        <p:nvPr/>
+      </p:nvGrpSpPr>
+      <p:grpSpPr>
+        <a:xfrm>
+          <a:off x="0" y="0"/>
+          <a:ext cx="0" cy="0"/>
+          <a:chOff x="0" y="0"/>
+          <a:chExt cx="0" cy="0"/>
+        </a:xfrm>
+      </p:grpSpPr>
+      <p:sp>
+        <p:nvSpPr>
+          <p:cNvPr id="2" name="כותרת 1">
+            <a:extLst>
+              <a:ext uri="{FF2B5EF4-FFF2-40B4-BE49-F238E27FC236}">
+                <a16:creationId xmlns:a16="http://schemas.microsoft.com/office/drawing/2014/main" id="{A48A16F6-7F96-B39E-E1A9-4AF879E75F7F}"/>
+              </a:ext>
+            </a:extLst>
+          </p:cNvPr>
+          <p:cNvSpPr>
+            <a:spLocks noGrp="1"/>
+          </p:cNvSpPr>
+          <p:nvPr>
+            <p:ph type="title"/>
+          </p:nvPr>
+        </p:nvSpPr>
+        <p:spPr/>
+        <p:txBody>
+          <a:bodyPr>
+            <a:normAutofit/>
+          </a:bodyPr>
+          <a:lstStyle/>
+          <a:p>
+            <a:pPr algn="r"/>
+            <a:r>
+              <a:rPr lang="he-IL" sz="4400" dirty="0">
+                <a:latin typeface="Aharoni" panose="02010803020104030203" pitchFamily="2" charset="-79"/>
+                <a:cs typeface="Aharoni" panose="02010803020104030203" pitchFamily="2" charset="-79"/>
+              </a:rPr>
+              <a:t>סרטון קצר של המשחק:</a:t>
+            </a:r>
+          </a:p>
+        </p:txBody>
+      </p:sp>
+      <p:sp>
+        <p:nvSpPr>
+          <p:cNvPr id="3" name="מציין מיקום תוכן 2">
+            <a:extLst>
+              <a:ext uri="{FF2B5EF4-FFF2-40B4-BE49-F238E27FC236}">
+                <a16:creationId xmlns:a16="http://schemas.microsoft.com/office/drawing/2014/main" id="{9A47D679-9EAA-56CC-08FE-D19327A1C5FA}"/>
+              </a:ext>
+            </a:extLst>
+          </p:cNvPr>
+          <p:cNvSpPr>
+            <a:spLocks noGrp="1"/>
+          </p:cNvSpPr>
+          <p:nvPr>
+            <p:ph idx="1"/>
+          </p:nvPr>
+        </p:nvSpPr>
+        <p:spPr/>
+        <p:txBody>
+          <a:bodyPr/>
+          <a:lstStyle/>
+          <a:p>
+            <a:endParaRPr lang="he-IL" dirty="0"/>
+          </a:p>
+        </p:txBody>
+      </p:sp>
+    </p:spTree>
+    <p:extLst>
+      <p:ext uri="{BB962C8B-B14F-4D97-AF65-F5344CB8AC3E}">
+        <p14:creationId xmlns:p14="http://schemas.microsoft.com/office/powerpoint/2010/main" val="4240176199"/>
+      </p:ext>
+    </p:extLst>
+  </p:cSld>
+  <p:clrMapOvr>
+    <a:masterClrMapping/>
+  </p:clrMapOvr>
+</p:sld>
+</file>
+
+<file path=ppt/slides/slide5.xml><?xml version="1.0" encoding="utf-8"?>
+<p:sld xmlns:a="http://schemas.openxmlformats.org/drawingml/2006/main" xmlns:r="http://schemas.openxmlformats.org/officeDocument/2006/relationships" xmlns:p="http://schemas.openxmlformats.org/presentationml/2006/main">
+  <p:cSld>
+    <p:spTree>
+      <p:nvGrpSpPr>
+        <p:cNvPr id="1" name=""/>
+        <p:cNvGrpSpPr/>
+        <p:nvPr/>
+      </p:nvGrpSpPr>
+      <p:grpSpPr>
+        <a:xfrm>
+          <a:off x="0" y="0"/>
+          <a:ext cx="0" cy="0"/>
+          <a:chOff x="0" y="0"/>
+          <a:chExt cx="0" cy="0"/>
+        </a:xfrm>
+      </p:grpSpPr>
+      <p:sp>
+        <p:nvSpPr>
+          <p:cNvPr id="2" name="כותרת 1">
+            <a:extLst>
+              <a:ext uri="{FF2B5EF4-FFF2-40B4-BE49-F238E27FC236}">
                 <a16:creationId xmlns:a16="http://schemas.microsoft.com/office/drawing/2014/main" id="{31126BB3-28F0-3A14-1A2A-8759B2650790}"/>
               </a:ext>
             </a:extLst>
@@ -3868,7 +4097,12 @@
             <p:ph idx="1"/>
           </p:nvPr>
         </p:nvSpPr>
-        <p:spPr/>
+        <p:spPr>
+          <a:xfrm>
+            <a:off x="1294361" y="2034020"/>
+            <a:ext cx="9603275" cy="3450613"/>
+          </a:xfrm>
+        </p:spPr>
         <p:txBody>
           <a:bodyPr>
             <a:normAutofit/>
@@ -3876,12 +4110,36 @@
           <a:lstStyle/>
           <a:p>
             <a:r>
-              <a:rPr lang="he-IL" sz="2800" dirty="0">
+              <a:rPr lang="he-IL" dirty="0">
                 <a:latin typeface="Aharoni" panose="02010803020104030203" pitchFamily="2" charset="-79"/>
                 <a:cs typeface="Aharoni" panose="02010803020104030203" pitchFamily="2" charset="-79"/>
               </a:rPr>
-              <a:t>1. </a:t>
-            </a:r>
+              <a:t>1. המשחק שבחרתי זה משחק שאני מאוד אוהב ומתחבר אליו ככה שהיה לי מאוד כיף גם לעבוד עליו.</a:t>
+            </a:r>
+          </a:p>
+          <a:p>
+            <a:r>
+              <a:rPr lang="he-IL" dirty="0">
+                <a:latin typeface="Aharoni" panose="02010803020104030203" pitchFamily="2" charset="-79"/>
+                <a:cs typeface="Aharoni" panose="02010803020104030203" pitchFamily="2" charset="-79"/>
+              </a:rPr>
+              <a:t>2. המשחק הזה משלב הרבה מאוד אלמנטים שאתגרו אותי בהרבה מאוד מובנים ולמדתי הרבה מאוד ממנו.</a:t>
+            </a:r>
+          </a:p>
+          <a:p>
+            <a:r>
+              <a:rPr lang="he-IL" dirty="0">
+                <a:latin typeface="Aharoni" panose="02010803020104030203" pitchFamily="2" charset="-79"/>
+                <a:cs typeface="Aharoni" panose="02010803020104030203" pitchFamily="2" charset="-79"/>
+              </a:rPr>
+              <a:t>3. מכיוון שזה משחק שדורש הרבה מאוד אלמנטים למדתי גם לעבוד עם מאגרי מידע מאוד גדולים באופן מסונכרן ככה שהכול יעבוד בצורה האידיאלית ביותר.</a:t>
+            </a:r>
+          </a:p>
+          <a:p>
+            <a:endParaRPr lang="he-IL" dirty="0">
+              <a:latin typeface="Aharoni" panose="02010803020104030203" pitchFamily="2" charset="-79"/>
+              <a:cs typeface="Aharoni" panose="02010803020104030203" pitchFamily="2" charset="-79"/>
+            </a:endParaRPr>
           </a:p>
         </p:txBody>
       </p:sp>

--- a/BussinesTourProject/מצגת 2 לירן דניאל.pptx
+++ b/BussinesTourProject/מצגת 2 לירן דניאל.pptx
@@ -10,6 +10,7 @@
     <p:sldId id="260" r:id="rId4"/>
     <p:sldId id="259" r:id="rId5"/>
     <p:sldId id="257" r:id="rId6"/>
+    <p:sldId id="262" r:id="rId7"/>
   </p:sldIdLst>
   <p:sldSz cx="12192000" cy="6858000"/>
   <p:notesSz cx="6858000" cy="9144000"/>
@@ -3989,10 +3990,10 @@
       </p:sp>
       <p:sp>
         <p:nvSpPr>
-          <p:cNvPr id="3" name="מציין מיקום תוכן 2">
+          <p:cNvPr id="6" name="מציין מיקום תוכן 5">
             <a:extLst>
               <a:ext uri="{FF2B5EF4-FFF2-40B4-BE49-F238E27FC236}">
-                <a16:creationId xmlns:a16="http://schemas.microsoft.com/office/drawing/2014/main" id="{9A47D679-9EAA-56CC-08FE-D19327A1C5FA}"/>
+                <a16:creationId xmlns:a16="http://schemas.microsoft.com/office/drawing/2014/main" id="{FC513E1B-54B0-79F9-9E70-912DE7B7E050}"/>
               </a:ext>
             </a:extLst>
           </p:cNvPr>
@@ -4008,7 +4009,7 @@
           <a:bodyPr/>
           <a:lstStyle/>
           <a:p>
-            <a:endParaRPr lang="he-IL" dirty="0"/>
+            <a:endParaRPr lang="he-IL"/>
           </a:p>
         </p:txBody>
       </p:sp>
@@ -4147,6 +4148,74 @@
     <p:extLst>
       <p:ext uri="{BB962C8B-B14F-4D97-AF65-F5344CB8AC3E}">
         <p14:creationId xmlns:p14="http://schemas.microsoft.com/office/powerpoint/2010/main" val="586530362"/>
+      </p:ext>
+    </p:extLst>
+  </p:cSld>
+  <p:clrMapOvr>
+    <a:masterClrMapping/>
+  </p:clrMapOvr>
+</p:sld>
+</file>
+
+<file path=ppt/slides/slide6.xml><?xml version="1.0" encoding="utf-8"?>
+<p:sld xmlns:a="http://schemas.openxmlformats.org/drawingml/2006/main" xmlns:r="http://schemas.openxmlformats.org/officeDocument/2006/relationships" xmlns:p="http://schemas.openxmlformats.org/presentationml/2006/main">
+  <p:cSld>
+    <p:spTree>
+      <p:nvGrpSpPr>
+        <p:cNvPr id="1" name=""/>
+        <p:cNvGrpSpPr/>
+        <p:nvPr/>
+      </p:nvGrpSpPr>
+      <p:grpSpPr>
+        <a:xfrm>
+          <a:off x="0" y="0"/>
+          <a:ext cx="0" cy="0"/>
+          <a:chOff x="0" y="0"/>
+          <a:chExt cx="0" cy="0"/>
+        </a:xfrm>
+      </p:grpSpPr>
+      <p:sp>
+        <p:nvSpPr>
+          <p:cNvPr id="2" name="תיבת טקסט 1">
+            <a:extLst>
+              <a:ext uri="{FF2B5EF4-FFF2-40B4-BE49-F238E27FC236}">
+                <a16:creationId xmlns:a16="http://schemas.microsoft.com/office/drawing/2014/main" id="{D65B56F7-A4AE-F3CB-E5A5-F1E79EBCC8CF}"/>
+              </a:ext>
+            </a:extLst>
+          </p:cNvPr>
+          <p:cNvSpPr txBox="1"/>
+          <p:nvPr/>
+        </p:nvSpPr>
+        <p:spPr>
+          <a:xfrm>
+            <a:off x="2994029" y="2875002"/>
+            <a:ext cx="6203942" cy="1107996"/>
+          </a:xfrm>
+          <a:prstGeom prst="rect">
+            <a:avLst/>
+          </a:prstGeom>
+          <a:noFill/>
+        </p:spPr>
+        <p:txBody>
+          <a:bodyPr wrap="none" rtlCol="1">
+            <a:spAutoFit/>
+          </a:bodyPr>
+          <a:lstStyle/>
+          <a:p>
+            <a:r>
+              <a:rPr lang="he-IL" sz="6600" dirty="0">
+                <a:latin typeface="Aharoni" panose="02010803020104030203" pitchFamily="2" charset="-79"/>
+                <a:cs typeface="Aharoni" panose="02010803020104030203" pitchFamily="2" charset="-79"/>
+              </a:rPr>
+              <a:t>תודה רבה על הקשב!</a:t>
+            </a:r>
+          </a:p>
+        </p:txBody>
+      </p:sp>
+    </p:spTree>
+    <p:extLst>
+      <p:ext uri="{BB962C8B-B14F-4D97-AF65-F5344CB8AC3E}">
+        <p14:creationId xmlns:p14="http://schemas.microsoft.com/office/powerpoint/2010/main" val="2298403752"/>
       </p:ext>
     </p:extLst>
   </p:cSld>
